--- a/PPTs/L0 course overview.pptx
+++ b/PPTs/L0 course overview.pptx
@@ -134,7 +134,7 @@
 <file path=ppt/revisionInfo.xml><?xml version="1.0" encoding="utf-8"?>
 <p1510:revInfo xmlns:a="http://schemas.openxmlformats.org/drawingml/2006/main" xmlns:r="http://schemas.openxmlformats.org/officeDocument/2006/relationships" xmlns:p1510="http://schemas.microsoft.com/office/powerpoint/2015/10/main">
   <p1510:revLst>
-    <p1510:client id="{C0235752-8A5C-4F28-941B-4C9265E4BF1A}" v="4" dt="2025-12-30T21:08:28.239"/>
+    <p1510:client id="{C0235752-8A5C-4F28-941B-4C9265E4BF1A}" v="10" dt="2026-01-13T17:40:50.047"/>
   </p1510:revLst>
 </p1510:revInfo>
 </file>
@@ -143,19 +143,19 @@
 <pc:chgInfo xmlns:a="http://schemas.openxmlformats.org/drawingml/2006/main" xmlns:r="http://schemas.openxmlformats.org/officeDocument/2006/relationships" xmlns:ac="http://schemas.microsoft.com/office/drawing/2013/main/command" xmlns:pc="http://schemas.microsoft.com/office/powerpoint/2013/main/command">
   <pc:docChgLst>
     <pc:chgData name="Zonghua Gu" userId="9a7e1853e1951ef5" providerId="LiveId" clId="{CF1FAA12-072C-4ED5-BA76-0FFFAEFDB88A}"/>
-    <pc:docChg chg="addSld delSld modSld">
-      <pc:chgData name="Zonghua Gu" userId="9a7e1853e1951ef5" providerId="LiveId" clId="{CF1FAA12-072C-4ED5-BA76-0FFFAEFDB88A}" dt="2025-12-30T21:08:30.032" v="24" actId="20577"/>
+    <pc:docChg chg="undo custSel addSld delSld modSld">
+      <pc:chgData name="Zonghua Gu" userId="9a7e1853e1951ef5" providerId="LiveId" clId="{CF1FAA12-072C-4ED5-BA76-0FFFAEFDB88A}" dt="2026-01-13T17:40:50.395" v="94" actId="20577"/>
       <pc:docMkLst>
         <pc:docMk/>
       </pc:docMkLst>
       <pc:sldChg chg="modSp mod">
-        <pc:chgData name="Zonghua Gu" userId="9a7e1853e1951ef5" providerId="LiveId" clId="{CF1FAA12-072C-4ED5-BA76-0FFFAEFDB88A}" dt="2025-12-30T21:08:30.032" v="24" actId="20577"/>
+        <pc:chgData name="Zonghua Gu" userId="9a7e1853e1951ef5" providerId="LiveId" clId="{CF1FAA12-072C-4ED5-BA76-0FFFAEFDB88A}" dt="2026-01-13T17:40:50.395" v="94" actId="20577"/>
         <pc:sldMkLst>
           <pc:docMk/>
           <pc:sldMk cId="155059883" sldId="261"/>
         </pc:sldMkLst>
         <pc:spChg chg="mod">
-          <ac:chgData name="Zonghua Gu" userId="9a7e1853e1951ef5" providerId="LiveId" clId="{CF1FAA12-072C-4ED5-BA76-0FFFAEFDB88A}" dt="2025-12-30T21:08:30.032" v="24" actId="20577"/>
+          <ac:chgData name="Zonghua Gu" userId="9a7e1853e1951ef5" providerId="LiveId" clId="{CF1FAA12-072C-4ED5-BA76-0FFFAEFDB88A}" dt="2026-01-13T17:40:50.395" v="94" actId="20577"/>
           <ac:spMkLst>
             <pc:docMk/>
             <pc:sldMk cId="155059883" sldId="261"/>
@@ -163,18 +163,18 @@
           </ac:spMkLst>
         </pc:spChg>
       </pc:sldChg>
-      <pc:sldChg chg="modSp del mod">
-        <pc:chgData name="Zonghua Gu" userId="9a7e1853e1951ef5" providerId="LiveId" clId="{CF1FAA12-072C-4ED5-BA76-0FFFAEFDB88A}" dt="2025-12-30T21:06:35.654" v="16" actId="47"/>
+      <pc:sldChg chg="modSp mod">
+        <pc:chgData name="Zonghua Gu" userId="9a7e1853e1951ef5" providerId="LiveId" clId="{CF1FAA12-072C-4ED5-BA76-0FFFAEFDB88A}" dt="2025-12-31T21:30:40.466" v="76" actId="3626"/>
         <pc:sldMkLst>
           <pc:docMk/>
-          <pc:sldMk cId="3623278074" sldId="266"/>
+          <pc:sldMk cId="178653079" sldId="265"/>
         </pc:sldMkLst>
         <pc:spChg chg="mod">
-          <ac:chgData name="Zonghua Gu" userId="9a7e1853e1951ef5" providerId="LiveId" clId="{CF1FAA12-072C-4ED5-BA76-0FFFAEFDB88A}" dt="2025-12-30T21:05:43.058" v="11" actId="6549"/>
+          <ac:chgData name="Zonghua Gu" userId="9a7e1853e1951ef5" providerId="LiveId" clId="{CF1FAA12-072C-4ED5-BA76-0FFFAEFDB88A}" dt="2025-12-31T21:30:40.466" v="76" actId="3626"/>
           <ac:spMkLst>
             <pc:docMk/>
-            <pc:sldMk cId="3623278074" sldId="266"/>
-            <ac:spMk id="3" creationId="{73B5D58E-C189-E68D-1A4E-DF494F94B82C}"/>
+            <pc:sldMk cId="178653079" sldId="265"/>
+            <ac:spMk id="3" creationId="{4C753F46-04DC-0E7F-B563-1C508D6328EA}"/>
           </ac:spMkLst>
         </pc:spChg>
       </pc:sldChg>
@@ -280,7 +280,7 @@
           <a:p>
             <a:fld id="{42A0EB13-15AA-4F17-85B5-7D7BBF18EB40}" type="datetimeFigureOut">
               <a:rPr lang="en-SE" smtClean="0"/>
-              <a:t>12/30/2025</a:t>
+              <a:t>01/13/2026</a:t>
             </a:fld>
             <a:endParaRPr lang="en-SE"/>
           </a:p>
@@ -1017,7 +1017,7 @@
           <a:p>
             <a:fld id="{FB221443-D73C-634A-A910-7320408C156D}" type="datetimeFigureOut">
               <a:rPr lang="en-US" smtClean="0"/>
-              <a:t>12/30/2025</a:t>
+              <a:t>1/13/2026</a:t>
             </a:fld>
             <a:endParaRPr lang="en-US"/>
           </a:p>
@@ -1187,7 +1187,7 @@
           <a:p>
             <a:fld id="{FB221443-D73C-634A-A910-7320408C156D}" type="datetimeFigureOut">
               <a:rPr lang="en-US" smtClean="0"/>
-              <a:t>12/30/2025</a:t>
+              <a:t>1/13/2026</a:t>
             </a:fld>
             <a:endParaRPr lang="en-US"/>
           </a:p>
@@ -1367,7 +1367,7 @@
           <a:p>
             <a:fld id="{FB221443-D73C-634A-A910-7320408C156D}" type="datetimeFigureOut">
               <a:rPr lang="en-US" smtClean="0"/>
-              <a:t>12/30/2025</a:t>
+              <a:t>1/13/2026</a:t>
             </a:fld>
             <a:endParaRPr lang="en-US"/>
           </a:p>
@@ -1537,7 +1537,7 @@
           <a:p>
             <a:fld id="{FB221443-D73C-634A-A910-7320408C156D}" type="datetimeFigureOut">
               <a:rPr lang="en-US" smtClean="0"/>
-              <a:t>12/30/2025</a:t>
+              <a:t>1/13/2026</a:t>
             </a:fld>
             <a:endParaRPr lang="en-US"/>
           </a:p>
@@ -1783,7 +1783,7 @@
           <a:p>
             <a:fld id="{FB221443-D73C-634A-A910-7320408C156D}" type="datetimeFigureOut">
               <a:rPr lang="en-US" smtClean="0"/>
-              <a:t>12/30/2025</a:t>
+              <a:t>1/13/2026</a:t>
             </a:fld>
             <a:endParaRPr lang="en-US"/>
           </a:p>
@@ -2071,7 +2071,7 @@
           <a:p>
             <a:fld id="{FB221443-D73C-634A-A910-7320408C156D}" type="datetimeFigureOut">
               <a:rPr lang="en-US" smtClean="0"/>
-              <a:t>12/30/2025</a:t>
+              <a:t>1/13/2026</a:t>
             </a:fld>
             <a:endParaRPr lang="en-US"/>
           </a:p>
@@ -2493,7 +2493,7 @@
           <a:p>
             <a:fld id="{FB221443-D73C-634A-A910-7320408C156D}" type="datetimeFigureOut">
               <a:rPr lang="en-US" smtClean="0"/>
-              <a:t>12/30/2025</a:t>
+              <a:t>1/13/2026</a:t>
             </a:fld>
             <a:endParaRPr lang="en-US"/>
           </a:p>
@@ -2611,7 +2611,7 @@
           <a:p>
             <a:fld id="{FB221443-D73C-634A-A910-7320408C156D}" type="datetimeFigureOut">
               <a:rPr lang="en-US" smtClean="0"/>
-              <a:t>12/30/2025</a:t>
+              <a:t>1/13/2026</a:t>
             </a:fld>
             <a:endParaRPr lang="en-US"/>
           </a:p>
@@ -2706,7 +2706,7 @@
           <a:p>
             <a:fld id="{FB221443-D73C-634A-A910-7320408C156D}" type="datetimeFigureOut">
               <a:rPr lang="en-US" smtClean="0"/>
-              <a:t>12/30/2025</a:t>
+              <a:t>1/13/2026</a:t>
             </a:fld>
             <a:endParaRPr lang="en-US"/>
           </a:p>
@@ -2983,7 +2983,7 @@
           <a:p>
             <a:fld id="{FB221443-D73C-634A-A910-7320408C156D}" type="datetimeFigureOut">
               <a:rPr lang="en-US" smtClean="0"/>
-              <a:t>12/30/2025</a:t>
+              <a:t>1/13/2026</a:t>
             </a:fld>
             <a:endParaRPr lang="en-US"/>
           </a:p>
@@ -3236,7 +3236,7 @@
           <a:p>
             <a:fld id="{FB221443-D73C-634A-A910-7320408C156D}" type="datetimeFigureOut">
               <a:rPr lang="en-US" smtClean="0"/>
-              <a:t>12/30/2025</a:t>
+              <a:t>1/13/2026</a:t>
             </a:fld>
             <a:endParaRPr lang="en-US"/>
           </a:p>
@@ -3449,7 +3449,7 @@
           <a:p>
             <a:fld id="{FB221443-D73C-634A-A910-7320408C156D}" type="datetimeFigureOut">
               <a:rPr lang="en-US" smtClean="0"/>
-              <a:t>12/30/2025</a:t>
+              <a:t>1/13/2026</a:t>
             </a:fld>
             <a:endParaRPr lang="en-US"/>
           </a:p>
@@ -4124,12 +4124,9 @@
               <a:rPr lang="en-GB" dirty="0">
                 <a:hlinkClick r:id="rId3"/>
               </a:rPr>
-              <a:t>https://guhofstra.github.io/CSC111Sp25/</a:t>
-            </a:r>
-            <a:r>
-              <a:rPr lang="en-GB" dirty="0"/>
-              <a:t> </a:t>
-            </a:r>
+              <a:t>https://guhofstra.github.io/CSC111Sp26/</a:t>
+            </a:r>
+            <a:endParaRPr lang="en-GB" dirty="0"/>
           </a:p>
           <a:p>
             <a:pPr>
@@ -4142,9 +4139,10 @@
               <a:t>Lectures: </a:t>
             </a:r>
             <a:r>
-              <a:rPr lang="en-US" dirty="0"/>
-              <a:t>SIC 200, TR 6:00 PM-7:25 PM</a:t>
-            </a:r>
+              <a:rPr lang="de-DE" dirty="0"/>
+              <a:t>TR 9:40 AM-11:05 AM, SIC 126</a:t>
+            </a:r>
+            <a:endParaRPr lang="en-US" dirty="0"/>
           </a:p>
           <a:p>
             <a:pPr>
@@ -4162,7 +4160,7 @@
             </a:r>
           </a:p>
           <a:p>
-            <a:pPr>
+            <a:pPr lvl="1">
               <a:lnSpc>
                 <a:spcPct val="150000"/>
               </a:lnSpc>
@@ -4177,38 +4175,28 @@
             </a:r>
           </a:p>
           <a:p>
-            <a:pPr>
+            <a:pPr lvl="1">
               <a:lnSpc>
                 <a:spcPct val="150000"/>
               </a:lnSpc>
             </a:pPr>
             <a:r>
               <a:rPr lang="en-US" b="1" dirty="0"/>
-              <a:t>Office:</a:t>
-            </a:r>
-            <a:r>
-              <a:rPr lang="en-US" dirty="0"/>
-              <a:t> SIC 219</a:t>
-            </a:r>
-          </a:p>
-          <a:p>
-            <a:pPr>
-              <a:lnSpc>
-                <a:spcPct val="150000"/>
-              </a:lnSpc>
-            </a:pPr>
-            <a:r>
-              <a:rPr lang="en-US" b="1"/>
               <a:t>Office hours: </a:t>
             </a:r>
             <a:r>
+              <a:rPr lang="en-US" altLang="zh-CN" dirty="0"/>
+              <a:t>TR 4:05 </a:t>
+            </a:r>
+            <a:r>
+              <a:rPr lang="en-US" altLang="zh-CN"/>
+              <a:t>PM-6:00 PM, </a:t>
+            </a:r>
+            <a:r>
               <a:rPr lang="en-US"/>
-              <a:t>Thu 2:00-6:00 </a:t>
-            </a:r>
-            <a:r>
-              <a:rPr lang="en-US" altLang="zh-CN"/>
-              <a:t>pm</a:t>
-            </a:r>
+              <a:t>SIC 219</a:t>
+            </a:r>
+            <a:endParaRPr lang="en-US" dirty="0"/>
           </a:p>
         </p:txBody>
       </p:sp>
@@ -4357,17 +4345,7 @@
           <a:p>
             <a:r>
               <a:rPr lang="en-GB" dirty="0"/>
-              <a:t>Use the </a:t>
-            </a:r>
-            <a:r>
-              <a:rPr lang="en-GB" dirty="0">
-                <a:hlinkClick r:id="rId4"/>
-              </a:rPr>
-              <a:t>anonymous feedback form </a:t>
-            </a:r>
-            <a:r>
-              <a:rPr lang="en-GB" dirty="0"/>
-              <a:t>anytime to provide your comments and suggestions for me.</a:t>
+              <a:t>Use the anonymous feedback form anytime to provide your comments and suggestions for me.</a:t>
             </a:r>
           </a:p>
           <a:p>
@@ -4390,7 +4368,7 @@
           <p:nvPr/>
         </p:nvPicPr>
         <p:blipFill>
-          <a:blip r:embed="rId5"/>
+          <a:blip r:embed="rId4"/>
           <a:stretch>
             <a:fillRect/>
           </a:stretch>

--- a/PPTs/L0 course overview.pptx
+++ b/PPTs/L0 course overview.pptx
@@ -13,7 +13,7 @@
     <p:sldId id="265" r:id="rId4"/>
     <p:sldId id="264" r:id="rId5"/>
     <p:sldId id="267" r:id="rId6"/>
-    <p:sldId id="263" r:id="rId7"/>
+    <p:sldId id="268" r:id="rId7"/>
   </p:sldIdLst>
   <p:sldSz cx="9144000" cy="6858000" type="screen4x3"/>
   <p:notesSz cx="6858000" cy="9144000"/>
@@ -134,7 +134,7 @@
 <file path=ppt/revisionInfo.xml><?xml version="1.0" encoding="utf-8"?>
 <p1510:revInfo xmlns:a="http://schemas.openxmlformats.org/drawingml/2006/main" xmlns:r="http://schemas.openxmlformats.org/officeDocument/2006/relationships" xmlns:p1510="http://schemas.microsoft.com/office/powerpoint/2015/10/main">
   <p1510:revLst>
-    <p1510:client id="{C0235752-8A5C-4F28-941B-4C9265E4BF1A}" v="10" dt="2026-01-13T17:40:50.047"/>
+    <p1510:client id="{C0235752-8A5C-4F28-941B-4C9265E4BF1A}" v="11" dt="2026-01-25T18:21:48.797"/>
   </p1510:revLst>
 </p1510:revInfo>
 </file>
@@ -144,7 +144,7 @@
   <pc:docChgLst>
     <pc:chgData name="Zonghua Gu" userId="9a7e1853e1951ef5" providerId="LiveId" clId="{CF1FAA12-072C-4ED5-BA76-0FFFAEFDB88A}"/>
     <pc:docChg chg="undo custSel addSld delSld modSld">
-      <pc:chgData name="Zonghua Gu" userId="9a7e1853e1951ef5" providerId="LiveId" clId="{CF1FAA12-072C-4ED5-BA76-0FFFAEFDB88A}" dt="2026-01-13T17:40:50.395" v="94" actId="20577"/>
+      <pc:chgData name="Zonghua Gu" userId="9a7e1853e1951ef5" providerId="LiveId" clId="{CF1FAA12-072C-4ED5-BA76-0FFFAEFDB88A}" dt="2026-01-25T18:21:50.535" v="96" actId="47"/>
       <pc:docMkLst>
         <pc:docMk/>
       </pc:docMkLst>
@@ -162,6 +162,13 @@
             <ac:spMk id="3" creationId="{00000000-0000-0000-0000-000000000000}"/>
           </ac:spMkLst>
         </pc:spChg>
+      </pc:sldChg>
+      <pc:sldChg chg="del">
+        <pc:chgData name="Zonghua Gu" userId="9a7e1853e1951ef5" providerId="LiveId" clId="{CF1FAA12-072C-4ED5-BA76-0FFFAEFDB88A}" dt="2026-01-25T18:21:50.535" v="96" actId="47"/>
+        <pc:sldMkLst>
+          <pc:docMk/>
+          <pc:sldMk cId="3772300189" sldId="263"/>
+        </pc:sldMkLst>
       </pc:sldChg>
       <pc:sldChg chg="modSp mod">
         <pc:chgData name="Zonghua Gu" userId="9a7e1853e1951ef5" providerId="LiveId" clId="{CF1FAA12-072C-4ED5-BA76-0FFFAEFDB88A}" dt="2025-12-31T21:30:40.466" v="76" actId="3626"/>
@@ -193,6 +200,13 @@
           </ac:spMkLst>
         </pc:spChg>
       </pc:sldChg>
+      <pc:sldChg chg="add">
+        <pc:chgData name="Zonghua Gu" userId="9a7e1853e1951ef5" providerId="LiveId" clId="{CF1FAA12-072C-4ED5-BA76-0FFFAEFDB88A}" dt="2026-01-25T18:21:48.797" v="95"/>
+        <pc:sldMkLst>
+          <pc:docMk/>
+          <pc:sldMk cId="3675325541" sldId="268"/>
+        </pc:sldMkLst>
+      </pc:sldChg>
     </pc:docChg>
   </pc:docChgLst>
 </pc:chgInfo>
@@ -280,7 +294,7 @@
           <a:p>
             <a:fld id="{42A0EB13-15AA-4F17-85B5-7D7BBF18EB40}" type="datetimeFigureOut">
               <a:rPr lang="en-SE" smtClean="0"/>
-              <a:t>01/13/2026</a:t>
+              <a:t>01/25/2026</a:t>
             </a:fld>
             <a:endParaRPr lang="en-SE"/>
           </a:p>
@@ -792,6 +806,23 @@
               <a:t>https://www.simplypsychology.org/normal-distribution.html</a:t>
             </a:r>
           </a:p>
+          <a:p>
+            <a:pPr lvl="1"/>
+            <a:r>
+              <a:rPr lang="en-US" dirty="0"/>
+              <a:t>Graded on a curve based on the final points</a:t>
+            </a:r>
+          </a:p>
+          <a:p>
+            <a:pPr lvl="1"/>
+            <a:r>
+              <a:rPr lang="en-US" dirty="0"/>
+              <a:t>Absolute marks do not matter, but your relative ranking in the class determines your final letter grade</a:t>
+            </a:r>
+          </a:p>
+          <a:p>
+            <a:endParaRPr lang="en-US" dirty="0"/>
+          </a:p>
         </p:txBody>
       </p:sp>
       <p:sp>
@@ -1017,7 +1048,7 @@
           <a:p>
             <a:fld id="{FB221443-D73C-634A-A910-7320408C156D}" type="datetimeFigureOut">
               <a:rPr lang="en-US" smtClean="0"/>
-              <a:t>1/13/2026</a:t>
+              <a:t>1/25/2026</a:t>
             </a:fld>
             <a:endParaRPr lang="en-US"/>
           </a:p>
@@ -1187,7 +1218,7 @@
           <a:p>
             <a:fld id="{FB221443-D73C-634A-A910-7320408C156D}" type="datetimeFigureOut">
               <a:rPr lang="en-US" smtClean="0"/>
-              <a:t>1/13/2026</a:t>
+              <a:t>1/25/2026</a:t>
             </a:fld>
             <a:endParaRPr lang="en-US"/>
           </a:p>
@@ -1367,7 +1398,7 @@
           <a:p>
             <a:fld id="{FB221443-D73C-634A-A910-7320408C156D}" type="datetimeFigureOut">
               <a:rPr lang="en-US" smtClean="0"/>
-              <a:t>1/13/2026</a:t>
+              <a:t>1/25/2026</a:t>
             </a:fld>
             <a:endParaRPr lang="en-US"/>
           </a:p>
@@ -1537,7 +1568,7 @@
           <a:p>
             <a:fld id="{FB221443-D73C-634A-A910-7320408C156D}" type="datetimeFigureOut">
               <a:rPr lang="en-US" smtClean="0"/>
-              <a:t>1/13/2026</a:t>
+              <a:t>1/25/2026</a:t>
             </a:fld>
             <a:endParaRPr lang="en-US"/>
           </a:p>
@@ -1783,7 +1814,7 @@
           <a:p>
             <a:fld id="{FB221443-D73C-634A-A910-7320408C156D}" type="datetimeFigureOut">
               <a:rPr lang="en-US" smtClean="0"/>
-              <a:t>1/13/2026</a:t>
+              <a:t>1/25/2026</a:t>
             </a:fld>
             <a:endParaRPr lang="en-US"/>
           </a:p>
@@ -2071,7 +2102,7 @@
           <a:p>
             <a:fld id="{FB221443-D73C-634A-A910-7320408C156D}" type="datetimeFigureOut">
               <a:rPr lang="en-US" smtClean="0"/>
-              <a:t>1/13/2026</a:t>
+              <a:t>1/25/2026</a:t>
             </a:fld>
             <a:endParaRPr lang="en-US"/>
           </a:p>
@@ -2493,7 +2524,7 @@
           <a:p>
             <a:fld id="{FB221443-D73C-634A-A910-7320408C156D}" type="datetimeFigureOut">
               <a:rPr lang="en-US" smtClean="0"/>
-              <a:t>1/13/2026</a:t>
+              <a:t>1/25/2026</a:t>
             </a:fld>
             <a:endParaRPr lang="en-US"/>
           </a:p>
@@ -2611,7 +2642,7 @@
           <a:p>
             <a:fld id="{FB221443-D73C-634A-A910-7320408C156D}" type="datetimeFigureOut">
               <a:rPr lang="en-US" smtClean="0"/>
-              <a:t>1/13/2026</a:t>
+              <a:t>1/25/2026</a:t>
             </a:fld>
             <a:endParaRPr lang="en-US"/>
           </a:p>
@@ -2706,7 +2737,7 @@
           <a:p>
             <a:fld id="{FB221443-D73C-634A-A910-7320408C156D}" type="datetimeFigureOut">
               <a:rPr lang="en-US" smtClean="0"/>
-              <a:t>1/13/2026</a:t>
+              <a:t>1/25/2026</a:t>
             </a:fld>
             <a:endParaRPr lang="en-US"/>
           </a:p>
@@ -2983,7 +3014,7 @@
           <a:p>
             <a:fld id="{FB221443-D73C-634A-A910-7320408C156D}" type="datetimeFigureOut">
               <a:rPr lang="en-US" smtClean="0"/>
-              <a:t>1/13/2026</a:t>
+              <a:t>1/25/2026</a:t>
             </a:fld>
             <a:endParaRPr lang="en-US"/>
           </a:p>
@@ -3236,7 +3267,7 @@
           <a:p>
             <a:fld id="{FB221443-D73C-634A-A910-7320408C156D}" type="datetimeFigureOut">
               <a:rPr lang="en-US" smtClean="0"/>
-              <a:t>1/13/2026</a:t>
+              <a:t>1/25/2026</a:t>
             </a:fld>
             <a:endParaRPr lang="en-US"/>
           </a:p>
@@ -3449,7 +3480,7 @@
           <a:p>
             <a:fld id="{FB221443-D73C-634A-A910-7320408C156D}" type="datetimeFigureOut">
               <a:rPr lang="en-US" smtClean="0"/>
-              <a:t>1/13/2026</a:t>
+              <a:t>1/25/2026</a:t>
             </a:fld>
             <a:endParaRPr lang="en-US"/>
           </a:p>
@@ -4812,56 +4843,100 @@
           </a:p>
         </p:txBody>
       </p:sp>
+      <p:sp>
+        <p:nvSpPr>
+          <p:cNvPr id="10" name="Content Placeholder 2">
+            <a:extLst>
+              <a:ext uri="{FF2B5EF4-FFF2-40B4-BE49-F238E27FC236}">
+                <a16:creationId xmlns:a16="http://schemas.microsoft.com/office/drawing/2014/main" id="{4485C2FC-F760-8450-0E62-F59CB3DFE20C}"/>
+              </a:ext>
+            </a:extLst>
+          </p:cNvPr>
+          <p:cNvSpPr>
+            <a:spLocks noGrp="1"/>
+          </p:cNvSpPr>
+          <p:nvPr>
+            <p:ph idx="1"/>
+          </p:nvPr>
+        </p:nvSpPr>
+        <p:spPr>
+          <a:xfrm>
+            <a:off x="304799" y="1600200"/>
+            <a:ext cx="8229599" cy="2539181"/>
+          </a:xfrm>
+        </p:spPr>
+        <p:txBody>
+          <a:bodyPr/>
+          <a:lstStyle/>
+          <a:p>
+            <a:r>
+              <a:rPr lang="en-US" dirty="0"/>
+              <a:t>Midterm exam: 30%</a:t>
+            </a:r>
+          </a:p>
+          <a:p>
+            <a:r>
+              <a:rPr lang="en-US" dirty="0"/>
+              <a:t>Final exam: 40%</a:t>
+            </a:r>
+          </a:p>
+          <a:p>
+            <a:r>
+              <a:rPr lang="en-US" dirty="0"/>
+              <a:t>Labs: 30% (10 + 20)</a:t>
+            </a:r>
+          </a:p>
+          <a:p>
+            <a:r>
+              <a:rPr lang="en-US" dirty="0"/>
+              <a:t>Grade cutoff points are approximate and dependent on overall grade distribution</a:t>
+            </a:r>
+          </a:p>
+          <a:p>
+            <a:pPr lvl="1"/>
+            <a:r>
+              <a:rPr lang="en-US" dirty="0"/>
+              <a:t>Most students will pass if you put in reasonable efforts</a:t>
+            </a:r>
+          </a:p>
+          <a:p>
+            <a:endParaRPr lang="en-US" dirty="0"/>
+          </a:p>
+        </p:txBody>
+      </p:sp>
       <p:pic>
         <p:nvPicPr>
-          <p:cNvPr id="1026" name="Picture 2" descr="Bell curve graphic depicting normal performance distribution outline diagram. Labeled educational expectation measurement or prediction percentage analysis vector illustration.">
+          <p:cNvPr id="4" name="Picture 3">
             <a:extLst>
               <a:ext uri="{FF2B5EF4-FFF2-40B4-BE49-F238E27FC236}">
-                <a16:creationId xmlns:a16="http://schemas.microsoft.com/office/drawing/2014/main" id="{D2471F95-F060-B55F-2F0D-A33962AFEFDE}"/>
+                <a16:creationId xmlns:a16="http://schemas.microsoft.com/office/drawing/2014/main" id="{6941995E-190C-7957-D9E3-C29097E3AD22}"/>
               </a:ext>
             </a:extLst>
           </p:cNvPr>
           <p:cNvPicPr>
-            <a:picLocks noChangeAspect="1" noChangeArrowheads="1"/>
+            <a:picLocks noChangeAspect="1"/>
           </p:cNvPicPr>
           <p:nvPr/>
         </p:nvPicPr>
         <p:blipFill>
-          <a:blip r:embed="rId3">
-            <a:extLst>
-              <a:ext uri="{28A0092B-C50C-407E-A947-70E740481C1C}">
-                <a14:useLocalDpi xmlns:a14="http://schemas.microsoft.com/office/drawing/2010/main" val="0"/>
-              </a:ext>
-            </a:extLst>
-          </a:blip>
-          <a:srcRect/>
+          <a:blip r:embed="rId3"/>
           <a:stretch>
             <a:fillRect/>
           </a:stretch>
         </p:blipFill>
-        <p:spPr bwMode="auto">
+        <p:spPr>
           <a:xfrm>
-            <a:off x="4572000" y="1858487"/>
-            <a:ext cx="4493342" cy="3744452"/>
+            <a:off x="1460112" y="4091191"/>
+            <a:ext cx="6694873" cy="2174404"/>
           </a:xfrm>
           <a:prstGeom prst="rect">
             <a:avLst/>
           </a:prstGeom>
-          <a:noFill/>
-          <a:extLst>
-            <a:ext uri="{909E8E84-426E-40DD-AFC4-6F175D3DCCD1}">
-              <a14:hiddenFill xmlns:a14="http://schemas.microsoft.com/office/drawing/2010/main">
-                <a:solidFill>
-                  <a:srgbClr val="FFFFFF"/>
-                </a:solidFill>
-              </a14:hiddenFill>
-            </a:ext>
-          </a:extLst>
         </p:spPr>
       </p:pic>
       <p:sp>
         <p:nvSpPr>
-          <p:cNvPr id="6" name="TextBox 5">
+          <p:cNvPr id="5" name="TextBox 4">
             <a:extLst>
               <a:ext uri="{FF2B5EF4-FFF2-40B4-BE49-F238E27FC236}">
                 <a16:creationId xmlns:a16="http://schemas.microsoft.com/office/drawing/2014/main" id="{AE41FB57-E05E-E37B-2179-98D14191727D}"/>
@@ -4873,7 +4948,7 @@
         </p:nvSpPr>
         <p:spPr>
           <a:xfrm>
-            <a:off x="7973827" y="5425615"/>
+            <a:off x="6179599" y="6335311"/>
             <a:ext cx="362600" cy="461665"/>
           </a:xfrm>
           <a:prstGeom prst="rect">
@@ -4896,7 +4971,7 @@
       </p:sp>
       <p:sp>
         <p:nvSpPr>
-          <p:cNvPr id="7" name="TextBox 6">
+          <p:cNvPr id="11" name="TextBox 10">
             <a:extLst>
               <a:ext uri="{FF2B5EF4-FFF2-40B4-BE49-F238E27FC236}">
                 <a16:creationId xmlns:a16="http://schemas.microsoft.com/office/drawing/2014/main" id="{73A14233-5BD4-DCD3-E927-56FF876CF7EA}"/>
@@ -4908,7 +4983,7 @@
         </p:nvSpPr>
         <p:spPr>
           <a:xfrm>
-            <a:off x="6753959" y="5425615"/>
+            <a:off x="4698416" y="6335311"/>
             <a:ext cx="362600" cy="461665"/>
           </a:xfrm>
           <a:prstGeom prst="rect">
@@ -4931,7 +5006,7 @@
       </p:sp>
       <p:sp>
         <p:nvSpPr>
-          <p:cNvPr id="8" name="TextBox 7">
+          <p:cNvPr id="12" name="TextBox 11">
             <a:extLst>
               <a:ext uri="{FF2B5EF4-FFF2-40B4-BE49-F238E27FC236}">
                 <a16:creationId xmlns:a16="http://schemas.microsoft.com/office/drawing/2014/main" id="{5E8C800B-92A5-CEC8-8A8B-200008609C9E}"/>
@@ -4942,9 +5017,9 @@
           <p:nvPr/>
         </p:nvSpPr>
         <p:spPr>
-          <a:xfrm>
-            <a:off x="5548519" y="5425615"/>
-            <a:ext cx="348172" cy="461665"/>
+          <a:xfrm flipH="1">
+            <a:off x="3225575" y="6335311"/>
+            <a:ext cx="434416" cy="461665"/>
           </a:xfrm>
           <a:prstGeom prst="rect">
             <a:avLst/>
@@ -4952,7 +5027,7 @@
           <a:noFill/>
         </p:spPr>
         <p:txBody>
-          <a:bodyPr wrap="none" rtlCol="0">
+          <a:bodyPr wrap="square" rtlCol="0">
             <a:spAutoFit/>
           </a:bodyPr>
           <a:lstStyle/>
@@ -4966,7 +5041,7 @@
       </p:sp>
       <p:sp>
         <p:nvSpPr>
-          <p:cNvPr id="9" name="TextBox 8">
+          <p:cNvPr id="13" name="TextBox 12">
             <a:extLst>
               <a:ext uri="{FF2B5EF4-FFF2-40B4-BE49-F238E27FC236}">
                 <a16:creationId xmlns:a16="http://schemas.microsoft.com/office/drawing/2014/main" id="{6AD677F5-5130-722F-D935-AAD4400A7119}"/>
@@ -4978,7 +5053,7 @@
         </p:nvSpPr>
         <p:spPr>
           <a:xfrm>
-            <a:off x="4697042" y="5425615"/>
+            <a:off x="1902138" y="6335311"/>
             <a:ext cx="468398" cy="461665"/>
           </a:xfrm>
           <a:prstGeom prst="rect">
@@ -5001,70 +5076,268 @@
       </p:sp>
       <p:sp>
         <p:nvSpPr>
-          <p:cNvPr id="10" name="Content Placeholder 2">
+          <p:cNvPr id="14" name="TextBox 13">
             <a:extLst>
               <a:ext uri="{FF2B5EF4-FFF2-40B4-BE49-F238E27FC236}">
-                <a16:creationId xmlns:a16="http://schemas.microsoft.com/office/drawing/2014/main" id="{4485C2FC-F760-8450-0E62-F59CB3DFE20C}"/>
+                <a16:creationId xmlns:a16="http://schemas.microsoft.com/office/drawing/2014/main" id="{D86E3090-D52C-74EE-3FD8-F0F7D63579A8}"/>
               </a:ext>
             </a:extLst>
           </p:cNvPr>
-          <p:cNvSpPr>
-            <a:spLocks noGrp="1"/>
-          </p:cNvSpPr>
-          <p:nvPr>
-            <p:ph idx="1"/>
-          </p:nvPr>
+          <p:cNvSpPr txBox="1"/>
+          <p:nvPr/>
         </p:nvSpPr>
         <p:spPr>
           <a:xfrm>
-            <a:off x="304800" y="1600200"/>
-            <a:ext cx="4267200" cy="4525963"/>
+            <a:off x="5397012" y="6174564"/>
+            <a:ext cx="782587" cy="400110"/>
           </a:xfrm>
+          <a:prstGeom prst="rect">
+            <a:avLst/>
+          </a:prstGeom>
+          <a:noFill/>
         </p:spPr>
         <p:txBody>
-          <a:bodyPr/>
-          <a:lstStyle/>
-          <a:p>
-            <a:r>
-              <a:rPr lang="en-US" dirty="0"/>
-              <a:t>Midterm exam: 30%</a:t>
-            </a:r>
-          </a:p>
-          <a:p>
-            <a:r>
-              <a:rPr lang="en-US" dirty="0"/>
-              <a:t>Final exam: 40%</a:t>
-            </a:r>
-          </a:p>
-          <a:p>
-            <a:r>
-              <a:rPr lang="en-US" dirty="0"/>
-              <a:t>Labs: 30%</a:t>
-            </a:r>
-          </a:p>
-          <a:p>
-            <a:pPr lvl="1"/>
-            <a:r>
-              <a:rPr lang="en-US" dirty="0"/>
-              <a:t>Graded on a curve based on the final points</a:t>
-            </a:r>
-          </a:p>
-          <a:p>
-            <a:pPr lvl="1"/>
-            <a:r>
-              <a:rPr lang="en-US" dirty="0"/>
-              <a:t>Absolute marks do not matter, but your relative ranking in the class determines your final letter grade</a:t>
-            </a:r>
-          </a:p>
-          <a:p>
-            <a:endParaRPr lang="en-US" dirty="0"/>
+          <a:bodyPr wrap="none" rtlCol="0">
+            <a:spAutoFit/>
+          </a:bodyPr>
+          <a:lstStyle/>
+          <a:p>
+            <a:r>
+              <a:rPr lang="en-US" sz="2000" dirty="0"/>
+              <a:t>85-90</a:t>
+            </a:r>
+          </a:p>
+        </p:txBody>
+      </p:sp>
+      <p:sp>
+        <p:nvSpPr>
+          <p:cNvPr id="15" name="TextBox 14">
+            <a:extLst>
+              <a:ext uri="{FF2B5EF4-FFF2-40B4-BE49-F238E27FC236}">
+                <a16:creationId xmlns:a16="http://schemas.microsoft.com/office/drawing/2014/main" id="{D6628709-AA79-91C6-7670-135A10137CB9}"/>
+              </a:ext>
+            </a:extLst>
+          </p:cNvPr>
+          <p:cNvSpPr txBox="1"/>
+          <p:nvPr/>
+        </p:nvSpPr>
+        <p:spPr>
+          <a:xfrm>
+            <a:off x="3667411" y="6174564"/>
+            <a:ext cx="782587" cy="400110"/>
+          </a:xfrm>
+          <a:prstGeom prst="rect">
+            <a:avLst/>
+          </a:prstGeom>
+          <a:noFill/>
+        </p:spPr>
+        <p:txBody>
+          <a:bodyPr wrap="none" rtlCol="0">
+            <a:spAutoFit/>
+          </a:bodyPr>
+          <a:lstStyle/>
+          <a:p>
+            <a:r>
+              <a:rPr lang="en-US" sz="2000" dirty="0"/>
+              <a:t>70-75</a:t>
+            </a:r>
+          </a:p>
+        </p:txBody>
+      </p:sp>
+      <p:sp>
+        <p:nvSpPr>
+          <p:cNvPr id="16" name="TextBox 15">
+            <a:extLst>
+              <a:ext uri="{FF2B5EF4-FFF2-40B4-BE49-F238E27FC236}">
+                <a16:creationId xmlns:a16="http://schemas.microsoft.com/office/drawing/2014/main" id="{361DE0F8-AE86-B7E3-41E1-FC7BDF3EBD0A}"/>
+              </a:ext>
+            </a:extLst>
+          </p:cNvPr>
+          <p:cNvSpPr txBox="1"/>
+          <p:nvPr/>
+        </p:nvSpPr>
+        <p:spPr>
+          <a:xfrm>
+            <a:off x="2593284" y="6174564"/>
+            <a:ext cx="782587" cy="400110"/>
+          </a:xfrm>
+          <a:prstGeom prst="rect">
+            <a:avLst/>
+          </a:prstGeom>
+          <a:noFill/>
+        </p:spPr>
+        <p:txBody>
+          <a:bodyPr wrap="none" rtlCol="0">
+            <a:spAutoFit/>
+          </a:bodyPr>
+          <a:lstStyle/>
+          <a:p>
+            <a:r>
+              <a:rPr lang="en-US" sz="2000" dirty="0"/>
+              <a:t>60-65</a:t>
+            </a:r>
+          </a:p>
+        </p:txBody>
+      </p:sp>
+      <p:cxnSp>
+        <p:nvCxnSpPr>
+          <p:cNvPr id="18" name="Straight Arrow Connector 17">
+            <a:extLst>
+              <a:ext uri="{FF2B5EF4-FFF2-40B4-BE49-F238E27FC236}">
+                <a16:creationId xmlns:a16="http://schemas.microsoft.com/office/drawing/2014/main" id="{C0E80ACE-A51A-CCB5-6D61-FB78442D180F}"/>
+              </a:ext>
+            </a:extLst>
+          </p:cNvPr>
+          <p:cNvCxnSpPr>
+            <a:cxnSpLocks/>
+          </p:cNvCxnSpPr>
+          <p:nvPr/>
+        </p:nvCxnSpPr>
+        <p:spPr>
+          <a:xfrm>
+            <a:off x="2370536" y="6564723"/>
+            <a:ext cx="855039" cy="2841"/>
+          </a:xfrm>
+          <a:prstGeom prst="straightConnector1">
+            <a:avLst/>
+          </a:prstGeom>
+          <a:ln>
+            <a:headEnd type="triangle"/>
+            <a:tailEnd type="triangle"/>
+          </a:ln>
+        </p:spPr>
+        <p:style>
+          <a:lnRef idx="2">
+            <a:schemeClr val="accent1"/>
+          </a:lnRef>
+          <a:fillRef idx="0">
+            <a:schemeClr val="accent1"/>
+          </a:fillRef>
+          <a:effectRef idx="1">
+            <a:schemeClr val="accent1"/>
+          </a:effectRef>
+          <a:fontRef idx="minor">
+            <a:schemeClr val="tx1"/>
+          </a:fontRef>
+        </p:style>
+      </p:cxnSp>
+      <p:cxnSp>
+        <p:nvCxnSpPr>
+          <p:cNvPr id="20" name="Straight Arrow Connector 19">
+            <a:extLst>
+              <a:ext uri="{FF2B5EF4-FFF2-40B4-BE49-F238E27FC236}">
+                <a16:creationId xmlns:a16="http://schemas.microsoft.com/office/drawing/2014/main" id="{32AB04AC-00A9-C51E-9E21-EC80A92DCD51}"/>
+              </a:ext>
+            </a:extLst>
+          </p:cNvPr>
+          <p:cNvCxnSpPr>
+            <a:cxnSpLocks/>
+          </p:cNvCxnSpPr>
+          <p:nvPr/>
+        </p:nvCxnSpPr>
+        <p:spPr>
+          <a:xfrm flipV="1">
+            <a:off x="3675379" y="6566142"/>
+            <a:ext cx="1023037" cy="15641"/>
+          </a:xfrm>
+          <a:prstGeom prst="straightConnector1">
+            <a:avLst/>
+          </a:prstGeom>
+          <a:ln>
+            <a:headEnd type="triangle"/>
+            <a:tailEnd type="triangle"/>
+          </a:ln>
+        </p:spPr>
+        <p:style>
+          <a:lnRef idx="2">
+            <a:schemeClr val="accent1"/>
+          </a:lnRef>
+          <a:fillRef idx="0">
+            <a:schemeClr val="accent1"/>
+          </a:fillRef>
+          <a:effectRef idx="1">
+            <a:schemeClr val="accent1"/>
+          </a:effectRef>
+          <a:fontRef idx="minor">
+            <a:schemeClr val="tx1"/>
+          </a:fontRef>
+        </p:style>
+      </p:cxnSp>
+      <p:cxnSp>
+        <p:nvCxnSpPr>
+          <p:cNvPr id="22" name="Straight Arrow Connector 21">
+            <a:extLst>
+              <a:ext uri="{FF2B5EF4-FFF2-40B4-BE49-F238E27FC236}">
+                <a16:creationId xmlns:a16="http://schemas.microsoft.com/office/drawing/2014/main" id="{2E058877-9E26-CD16-4D9E-416ACBDE6556}"/>
+              </a:ext>
+            </a:extLst>
+          </p:cNvPr>
+          <p:cNvCxnSpPr>
+            <a:cxnSpLocks/>
+          </p:cNvCxnSpPr>
+          <p:nvPr/>
+        </p:nvCxnSpPr>
+        <p:spPr>
+          <a:xfrm flipV="1">
+            <a:off x="5061016" y="6565571"/>
+            <a:ext cx="1118583" cy="25063"/>
+          </a:xfrm>
+          <a:prstGeom prst="straightConnector1">
+            <a:avLst/>
+          </a:prstGeom>
+          <a:ln>
+            <a:headEnd type="triangle"/>
+            <a:tailEnd type="triangle"/>
+          </a:ln>
+        </p:spPr>
+        <p:style>
+          <a:lnRef idx="2">
+            <a:schemeClr val="accent1"/>
+          </a:lnRef>
+          <a:fillRef idx="0">
+            <a:schemeClr val="accent1"/>
+          </a:fillRef>
+          <a:effectRef idx="1">
+            <a:schemeClr val="accent1"/>
+          </a:effectRef>
+          <a:fontRef idx="minor">
+            <a:schemeClr val="tx1"/>
+          </a:fontRef>
+        </p:style>
+      </p:cxnSp>
+      <p:sp>
+        <p:nvSpPr>
+          <p:cNvPr id="25" name="Slide Number Placeholder 24">
+            <a:extLst>
+              <a:ext uri="{FF2B5EF4-FFF2-40B4-BE49-F238E27FC236}">
+                <a16:creationId xmlns:a16="http://schemas.microsoft.com/office/drawing/2014/main" id="{E8900106-E74B-992C-698F-44FB66ACC5A1}"/>
+              </a:ext>
+            </a:extLst>
+          </p:cNvPr>
+          <p:cNvSpPr>
+            <a:spLocks noGrp="1"/>
+          </p:cNvSpPr>
+          <p:nvPr>
+            <p:ph type="sldNum" sz="quarter" idx="12"/>
+          </p:nvPr>
+        </p:nvSpPr>
+        <p:spPr/>
+        <p:txBody>
+          <a:bodyPr/>
+          <a:lstStyle/>
+          <a:p>
+            <a:fld id="{325BE2B7-23DB-644D-89A2-CA3C2E8FEF83}" type="slidenum">
+              <a:rPr lang="en-US" smtClean="0"/>
+              <a:t>6</a:t>
+            </a:fld>
+            <a:endParaRPr lang="en-US"/>
           </a:p>
         </p:txBody>
       </p:sp>
     </p:spTree>
     <p:extLst>
       <p:ext uri="{BB962C8B-B14F-4D97-AF65-F5344CB8AC3E}">
-        <p14:creationId xmlns:p14="http://schemas.microsoft.com/office/powerpoint/2010/main" val="3772300189"/>
+        <p14:creationId xmlns:p14="http://schemas.microsoft.com/office/powerpoint/2010/main" val="3675325541"/>
       </p:ext>
     </p:extLst>
   </p:cSld>
